--- a/Template_Presentation_Students.pptx
+++ b/Template_Presentation_Students.pptx
@@ -7,7 +7,7 @@
     <p:sldMasterId id="2147483656" r:id="rId3"/>
   </p:sldMasterIdLst>
   <p:notesMasterIdLst>
-    <p:notesMasterId r:id="rId15"/>
+    <p:notesMasterId r:id="rId16"/>
   </p:notesMasterIdLst>
   <p:sldIdLst>
     <p:sldId id="256" r:id="rId4"/>
@@ -21,6 +21,7 @@
     <p:sldId id="264" r:id="rId12"/>
     <p:sldId id="265" r:id="rId13"/>
     <p:sldId id="266" r:id="rId14"/>
+    <p:sldId id="267" r:id="rId15"/>
   </p:sldIdLst>
   <p:sldSz cx="12192000" cy="6858000"/>
   <p:notesSz cx="12192000" cy="6858000"/>
@@ -17081,18 +17082,21 @@
               <a:buNone/>
             </a:pPr>
             <a:r>
-              <a:rPr lang="en-US" sz="4800" b="1" i="0" u="none">
+              <a:rPr lang="en-US" sz="4800" b="1" i="0" u="none" dirty="0">
                 <a:solidFill>
                   <a:schemeClr val="dk1"/>
                 </a:solidFill>
-                <a:latin typeface="Trebuchet MS"/>
+                <a:latin typeface="Times New Roman" panose="02020603050405020304" pitchFamily="18" charset="0"/>
                 <a:ea typeface="Trebuchet MS"/>
-                <a:cs typeface="Trebuchet MS"/>
+                <a:cs typeface="Times New Roman" panose="02020603050405020304" pitchFamily="18" charset="0"/>
                 <a:sym typeface="Trebuchet MS"/>
               </a:rPr>
               <a:t>Conclusion</a:t>
             </a:r>
-            <a:endParaRPr/>
+            <a:endParaRPr dirty="0">
+              <a:latin typeface="Times New Roman" panose="02020603050405020304" pitchFamily="18" charset="0"/>
+              <a:cs typeface="Times New Roman" panose="02020603050405020304" pitchFamily="18" charset="0"/>
+            </a:endParaRPr>
           </a:p>
         </p:txBody>
       </p:sp>
@@ -17451,6 +17455,168 @@
         </p:txBody>
       </p:sp>
     </p:spTree>
+  </p:cSld>
+  <p:clrMapOvr>
+    <a:masterClrMapping/>
+  </p:clrMapOvr>
+</p:sld>
+</file>
+
+<file path=ppt/slides/slide12.xml><?xml version="1.0" encoding="utf-8"?>
+<p:sld xmlns:a="http://schemas.openxmlformats.org/drawingml/2006/main" xmlns:r="http://schemas.openxmlformats.org/officeDocument/2006/relationships" xmlns:p="http://schemas.openxmlformats.org/presentationml/2006/main">
+  <p:cSld>
+    <p:spTree>
+      <p:nvGrpSpPr>
+        <p:cNvPr id="1" name=""/>
+        <p:cNvGrpSpPr/>
+        <p:nvPr/>
+      </p:nvGrpSpPr>
+      <p:grpSpPr>
+        <a:xfrm>
+          <a:off x="0" y="0"/>
+          <a:ext cx="0" cy="0"/>
+          <a:chOff x="0" y="0"/>
+          <a:chExt cx="0" cy="0"/>
+        </a:xfrm>
+      </p:grpSpPr>
+      <p:sp>
+        <p:nvSpPr>
+          <p:cNvPr id="2" name="Title 1"/>
+          <p:cNvSpPr>
+            <a:spLocks noGrp="1"/>
+          </p:cNvSpPr>
+          <p:nvPr>
+            <p:ph type="ctrTitle"/>
+          </p:nvPr>
+        </p:nvSpPr>
+        <p:spPr>
+          <a:xfrm>
+            <a:off x="378069" y="393895"/>
+            <a:ext cx="7816362" cy="738664"/>
+          </a:xfrm>
+        </p:spPr>
+        <p:txBody>
+          <a:bodyPr/>
+          <a:lstStyle/>
+          <a:p>
+            <a:r>
+              <a:rPr lang="en-US" sz="4800" dirty="0" smtClean="0">
+                <a:latin typeface="Times New Roman" panose="02020603050405020304" pitchFamily="18" charset="0"/>
+                <a:cs typeface="Times New Roman" panose="02020603050405020304" pitchFamily="18" charset="0"/>
+              </a:rPr>
+              <a:t>RESULT</a:t>
+            </a:r>
+            <a:endParaRPr lang="en-IN" sz="4800" dirty="0">
+              <a:latin typeface="Times New Roman" panose="02020603050405020304" pitchFamily="18" charset="0"/>
+              <a:cs typeface="Times New Roman" panose="02020603050405020304" pitchFamily="18" charset="0"/>
+            </a:endParaRPr>
+          </a:p>
+        </p:txBody>
+      </p:sp>
+      <p:sp>
+        <p:nvSpPr>
+          <p:cNvPr id="3" name="Subtitle 2"/>
+          <p:cNvSpPr>
+            <a:spLocks noGrp="1"/>
+          </p:cNvSpPr>
+          <p:nvPr>
+            <p:ph type="subTitle" idx="1"/>
+          </p:nvPr>
+        </p:nvSpPr>
+        <p:spPr>
+          <a:xfrm>
+            <a:off x="817685" y="1466557"/>
+            <a:ext cx="8534400" cy="3754874"/>
+          </a:xfrm>
+        </p:spPr>
+        <p:txBody>
+          <a:bodyPr/>
+          <a:lstStyle/>
+          <a:p>
+            <a:pPr algn="just"/>
+            <a:r>
+              <a:rPr lang="en-US" b="1" dirty="0">
+                <a:latin typeface="Times New Roman" panose="02020603050405020304" pitchFamily="18" charset="0"/>
+                <a:cs typeface="Times New Roman" panose="02020603050405020304" pitchFamily="18" charset="0"/>
+              </a:rPr>
+              <a:t>Prediction:</a:t>
+            </a:r>
+            <a:r>
+              <a:rPr lang="en-US" dirty="0">
+                <a:latin typeface="Times New Roman" panose="02020603050405020304" pitchFamily="18" charset="0"/>
+                <a:cs typeface="Times New Roman" panose="02020603050405020304" pitchFamily="18" charset="0"/>
+              </a:rPr>
+              <a:t> The primary result is the predicted AQI value, which is the numerical estimation of the air quality in a particular location. The prediction is made by the </a:t>
+            </a:r>
+            <a:r>
+              <a:rPr lang="en-US" dirty="0" smtClean="0">
+                <a:latin typeface="Times New Roman" panose="02020603050405020304" pitchFamily="18" charset="0"/>
+                <a:cs typeface="Times New Roman" panose="02020603050405020304" pitchFamily="18" charset="0"/>
+              </a:rPr>
+              <a:t>Random </a:t>
+            </a:r>
+            <a:r>
+              <a:rPr lang="en-US" smtClean="0">
+                <a:latin typeface="Times New Roman" panose="02020603050405020304" pitchFamily="18" charset="0"/>
+                <a:cs typeface="Times New Roman" panose="02020603050405020304" pitchFamily="18" charset="0"/>
+              </a:rPr>
+              <a:t>Forest Regression </a:t>
+            </a:r>
+            <a:r>
+              <a:rPr lang="en-US" dirty="0">
+                <a:latin typeface="Times New Roman" panose="02020603050405020304" pitchFamily="18" charset="0"/>
+                <a:cs typeface="Times New Roman" panose="02020603050405020304" pitchFamily="18" charset="0"/>
+              </a:rPr>
+              <a:t>model trained on historical air quality data.</a:t>
+            </a:r>
+          </a:p>
+          <a:p>
+            <a:pPr algn="just"/>
+            <a:r>
+              <a:rPr lang="en-US" b="1" dirty="0">
+                <a:latin typeface="Times New Roman" panose="02020603050405020304" pitchFamily="18" charset="0"/>
+                <a:cs typeface="Times New Roman" panose="02020603050405020304" pitchFamily="18" charset="0"/>
+              </a:rPr>
+              <a:t>R-squared Score:</a:t>
+            </a:r>
+            <a:r>
+              <a:rPr lang="en-US" dirty="0">
+                <a:latin typeface="Times New Roman" panose="02020603050405020304" pitchFamily="18" charset="0"/>
+                <a:cs typeface="Times New Roman" panose="02020603050405020304" pitchFamily="18" charset="0"/>
+              </a:rPr>
+              <a:t> Along with the prediction, the code also calculates and returns the R-squared (R2) score. The R-squared score is a statistical measure that indicates the proportion of the variance in the dependent variable (AQI) that is predictable from the independent variables (input features). It ranges from 0 to 1, where a higher R2 score indicates a better fit of the model to the data.</a:t>
+            </a:r>
+          </a:p>
+          <a:p>
+            <a:pPr algn="just"/>
+            <a:r>
+              <a:rPr lang="en-US" b="1" dirty="0">
+                <a:latin typeface="Times New Roman" panose="02020603050405020304" pitchFamily="18" charset="0"/>
+                <a:cs typeface="Times New Roman" panose="02020603050405020304" pitchFamily="18" charset="0"/>
+              </a:rPr>
+              <a:t>Utility:</a:t>
+            </a:r>
+            <a:r>
+              <a:rPr lang="en-US" dirty="0">
+                <a:latin typeface="Times New Roman" panose="02020603050405020304" pitchFamily="18" charset="0"/>
+                <a:cs typeface="Times New Roman" panose="02020603050405020304" pitchFamily="18" charset="0"/>
+              </a:rPr>
+              <a:t> The predicted AQI and the R-squared score can be used by various stakeholders such as government agencies, researchers, healthcare professionals, and the general public for decision-making purposes. It can help in assessing the health risks associated with air pollution, implementing air quality control measures, planning outdoor activities, and raising public awareness about the importance of air quality</a:t>
+            </a:r>
+            <a:r>
+              <a:rPr lang="en-US" dirty="0"/>
+              <a:t>.</a:t>
+            </a:r>
+            <a:endParaRPr lang="en-IN" dirty="0"/>
+          </a:p>
+        </p:txBody>
+      </p:sp>
+    </p:spTree>
+    <p:extLst>
+      <p:ext uri="{BB962C8B-B14F-4D97-AF65-F5344CB8AC3E}">
+        <p14:creationId xmlns:p14="http://schemas.microsoft.com/office/powerpoint/2010/main" val="1879646995"/>
+      </p:ext>
+    </p:extLst>
   </p:cSld>
   <p:clrMapOvr>
     <a:masterClrMapping/>

--- a/Template_Presentation_Students.pptx
+++ b/Template_Presentation_Students.pptx
@@ -17553,14 +17553,7 @@
                 <a:latin typeface="Times New Roman" panose="02020603050405020304" pitchFamily="18" charset="0"/>
                 <a:cs typeface="Times New Roman" panose="02020603050405020304" pitchFamily="18" charset="0"/>
               </a:rPr>
-              <a:t>Random </a:t>
-            </a:r>
-            <a:r>
-              <a:rPr lang="en-US" smtClean="0">
-                <a:latin typeface="Times New Roman" panose="02020603050405020304" pitchFamily="18" charset="0"/>
-                <a:cs typeface="Times New Roman" panose="02020603050405020304" pitchFamily="18" charset="0"/>
-              </a:rPr>
-              <a:t>Forest Regression </a:t>
+              <a:t>Random Forest Regression </a:t>
             </a:r>
             <a:r>
               <a:rPr lang="en-US" dirty="0">
